--- a/prezka_dial.pptx
+++ b/prezka_dial.pptx
@@ -8906,7 +8906,25 @@
                 </a:solidFill>
                 <a:latin typeface="Comic Sans MS" panose="030F0702030302020204" pitchFamily="66" charset="0"/>
               </a:rPr>
-              <a:t>Jak to w życiu bywa nie – nie jest w stanie wykryć „wszystkiego” </a:t>
+              <a:t>Jak to w życiu bywa </a:t>
+            </a:r>
+            <a:r>
+              <a:rPr lang="pl-PL" sz="2400" dirty="0" smtClean="0">
+                <a:solidFill>
+                  <a:schemeClr val="bg1"/>
+                </a:solidFill>
+                <a:latin typeface="Comic Sans MS" panose="030F0702030302020204" pitchFamily="66" charset="0"/>
+              </a:rPr>
+              <a:t>– </a:t>
+            </a:r>
+            <a:r>
+              <a:rPr lang="pl-PL" sz="2400" dirty="0" smtClean="0">
+                <a:solidFill>
+                  <a:schemeClr val="bg1"/>
+                </a:solidFill>
+                <a:latin typeface="Comic Sans MS" panose="030F0702030302020204" pitchFamily="66" charset="0"/>
+              </a:rPr>
+              <a:t>nie jest w stanie wykryć „wszystkiego” </a:t>
             </a:r>
           </a:p>
           <a:p>
